--- a/Milestone 2/ENSE 374 Milestone 2.pptx
+++ b/Milestone 2/ENSE 374 Milestone 2.pptx
@@ -1000,8 +1000,24 @@
               <a:buNone/>
             </a:pPr>
             <a:r>
+              <a:rPr lang="en-GB" u="sng"/>
+              <a:t>Jiahao</a:t>
+            </a:r>
+            <a:endParaRPr u="sng"/>
+          </a:p>
+          <a:p>
+            <a:pPr indent="0" lvl="0" marL="0" rtl="0" algn="l">
+              <a:spcBef>
+                <a:spcPts val="0"/>
+              </a:spcBef>
+              <a:spcAft>
+                <a:spcPts val="0"/>
+              </a:spcAft>
+              <a:buNone/>
+            </a:pPr>
+            <a:r>
               <a:rPr lang="en-GB"/>
-              <a:t>Jiahao</a:t>
+              <a:t>-Remove part of engineering home.</a:t>
             </a:r>
             <a:endParaRPr/>
           </a:p>
@@ -1253,6 +1269,54 @@
             </a:r>
             <a:endParaRPr/>
           </a:p>
+          <a:p>
+            <a:pPr indent="0" lvl="0" marL="0" rtl="0" algn="l">
+              <a:spcBef>
+                <a:spcPts val="0"/>
+              </a:spcBef>
+              <a:spcAft>
+                <a:spcPts val="0"/>
+              </a:spcAft>
+              <a:buNone/>
+            </a:pPr>
+            <a:r>
+              <a:rPr lang="en-GB"/>
+              <a:t>From the top picture you can see the relative shortness of each program’s page</a:t>
+            </a:r>
+            <a:endParaRPr/>
+          </a:p>
+          <a:p>
+            <a:pPr indent="0" lvl="0" marL="0" rtl="0" algn="l">
+              <a:spcBef>
+                <a:spcPts val="0"/>
+              </a:spcBef>
+              <a:spcAft>
+                <a:spcPts val="0"/>
+              </a:spcAft>
+              <a:buNone/>
+            </a:pPr>
+            <a:r>
+              <a:rPr lang="en-GB"/>
+              <a:t>Additionally each program page has three subpages (What is the program, our program, and graduate program) that just take information away and don’t add anything</a:t>
+            </a:r>
+            <a:endParaRPr/>
+          </a:p>
+          <a:p>
+            <a:pPr indent="0" lvl="0" marL="0" rtl="0" algn="l">
+              <a:spcBef>
+                <a:spcPts val="0"/>
+              </a:spcBef>
+              <a:spcAft>
+                <a:spcPts val="0"/>
+              </a:spcAft>
+              <a:buNone/>
+            </a:pPr>
+            <a:r>
+              <a:rPr lang="en-GB"/>
+              <a:t>The idea is to make it less clicks to get to the information needed.</a:t>
+            </a:r>
+            <a:endParaRPr/>
+          </a:p>
         </p:txBody>
       </p:sp>
     </p:spTree>
@@ -1465,6 +1529,22 @@
             </a:pPr>
             <a:r>
               <a:rPr lang="en-GB"/>
+              <a:t>Nick</a:t>
+            </a:r>
+            <a:endParaRPr/>
+          </a:p>
+          <a:p>
+            <a:pPr indent="0" lvl="0" marL="0" rtl="0" algn="l">
+              <a:spcBef>
+                <a:spcPts val="0"/>
+              </a:spcBef>
+              <a:spcAft>
+                <a:spcPts val="0"/>
+              </a:spcAft>
+              <a:buNone/>
+            </a:pPr>
+            <a:r>
+              <a:rPr lang="en-GB"/>
               <a:t>Students contains dead links:</a:t>
             </a:r>
             <a:endParaRPr/>
@@ -2271,6 +2351,78 @@
             </a:r>
             <a:endParaRPr/>
           </a:p>
+          <a:p>
+            <a:pPr indent="0" lvl="0" marL="0" rtl="0" algn="l">
+              <a:spcBef>
+                <a:spcPts val="0"/>
+              </a:spcBef>
+              <a:spcAft>
+                <a:spcPts val="0"/>
+              </a:spcAft>
+              <a:buNone/>
+            </a:pPr>
+            <a:r>
+              <a:rPr lang="en-GB"/>
+              <a:t>Programs</a:t>
+            </a:r>
+            <a:endParaRPr/>
+          </a:p>
+          <a:p>
+            <a:pPr indent="0" lvl="0" marL="0" rtl="0" algn="l">
+              <a:spcBef>
+                <a:spcPts val="0"/>
+              </a:spcBef>
+              <a:spcAft>
+                <a:spcPts val="0"/>
+              </a:spcAft>
+              <a:buNone/>
+            </a:pPr>
+            <a:r>
+              <a:rPr lang="en-GB"/>
+              <a:t>Navigation is good but not perfect, and could be condensed</a:t>
+            </a:r>
+            <a:endParaRPr/>
+          </a:p>
+          <a:p>
+            <a:pPr indent="0" lvl="0" marL="0" rtl="0" algn="l">
+              <a:spcBef>
+                <a:spcPts val="0"/>
+              </a:spcBef>
+              <a:spcAft>
+                <a:spcPts val="0"/>
+              </a:spcAft>
+              <a:buNone/>
+            </a:pPr>
+            <a:r>
+              <a:rPr lang="en-GB"/>
+              <a:t>The information is relevant to new students and people considering </a:t>
+            </a:r>
+            <a:r>
+              <a:rPr lang="en-GB"/>
+              <a:t>switching</a:t>
+            </a:r>
+            <a:r>
+              <a:rPr lang="en-GB"/>
+              <a:t> majors</a:t>
+            </a:r>
+            <a:endParaRPr/>
+          </a:p>
+          <a:p>
+            <a:pPr indent="0" lvl="0" marL="0" rtl="0" algn="l">
+              <a:spcBef>
+                <a:spcPts val="0"/>
+              </a:spcBef>
+              <a:spcAft>
+                <a:spcPts val="0"/>
+              </a:spcAft>
+              <a:buNone/>
+            </a:pPr>
+            <a:r>
+              <a:rPr lang="en-GB"/>
+              <a:t>Our idea is to combine all the separate program pages into one and adjust the quick links to link to program and admission requirements</a:t>
+            </a:r>
+            <a:endParaRPr/>
+          </a:p>
         </p:txBody>
       </p:sp>
     </p:spTree>
@@ -2459,7 +2611,7 @@
                   <a:schemeClr val="dk1"/>
                 </a:solidFill>
               </a:rPr>
-              <a:t>Overall rating: ⅗</a:t>
+              <a:t>Overall rating: 1</a:t>
             </a:r>
             <a:endParaRPr>
               <a:solidFill>
@@ -2919,38 +3071,20 @@
               <a:buChar char="○"/>
             </a:pPr>
             <a:r>
-              <a:t/>
-            </a:r>
-            <a:endParaRPr>
-              <a:solidFill>
-                <a:schemeClr val="dk1"/>
-              </a:solidFill>
-            </a:endParaRPr>
-          </a:p>
-          <a:p>
-            <a:pPr indent="-298450" lvl="2" marL="1371600" rtl="0" algn="l">
-              <a:lnSpc>
-                <a:spcPct val="115000"/>
-              </a:lnSpc>
-              <a:spcBef>
-                <a:spcPts val="0"/>
-              </a:spcBef>
-              <a:spcAft>
-                <a:spcPts val="0"/>
-              </a:spcAft>
-              <a:buClr>
-                <a:schemeClr val="dk1"/>
-              </a:buClr>
-              <a:buSzPts val="1100"/>
-              <a:buChar char="■"/>
-            </a:pPr>
+              <a:rPr b="1" lang="en-GB">
+                <a:solidFill>
+                  <a:schemeClr val="dk1"/>
+                </a:solidFill>
+              </a:rPr>
+              <a:t>Good Points: </a:t>
+            </a:r>
             <a:r>
               <a:rPr lang="en-GB">
                 <a:solidFill>
                   <a:schemeClr val="dk1"/>
                 </a:solidFill>
               </a:rPr>
-              <a:t>This makes it very hard to navigate and look for a specific staff member. Plus, even if it were structured, the way things are currently presented makes it time consuming — having the user to scroll down for potentially all the way down the list</a:t>
+              <a:t>organized alphabetically and are divided into subgroups on the side navigation</a:t>
             </a:r>
             <a:endParaRPr>
               <a:solidFill>
@@ -2981,7 +3115,29 @@
                   <a:schemeClr val="dk1"/>
                 </a:solidFill>
               </a:rPr>
-              <a:t>Also, missing pictures of staff does not help the overall purpose of the page easier</a:t>
+              <a:t>Overall content presentation can be very time consuming - having a user potentially scrolling all the way down the page to find a specific person</a:t>
+            </a:r>
+            <a:endParaRPr>
+              <a:solidFill>
+                <a:schemeClr val="dk1"/>
+              </a:solidFill>
+            </a:endParaRPr>
+          </a:p>
+          <a:p>
+            <a:pPr indent="0" lvl="0" marL="1371600" rtl="0" algn="l">
+              <a:lnSpc>
+                <a:spcPct val="115000"/>
+              </a:lnSpc>
+              <a:spcBef>
+                <a:spcPts val="0"/>
+              </a:spcBef>
+              <a:spcAft>
+                <a:spcPts val="0"/>
+              </a:spcAft>
+              <a:buNone/>
+            </a:pPr>
+            <a:r>
+              <a:t/>
             </a:r>
             <a:endParaRPr>
               <a:solidFill>
@@ -3074,7 +3230,7 @@
                   <a:schemeClr val="dk1"/>
                 </a:solidFill>
               </a:rPr>
-              <a:t>Keep this public</a:t>
+              <a:t>Definitely keep this public</a:t>
             </a:r>
             <a:endParaRPr>
               <a:solidFill>
@@ -3105,7 +3261,7 @@
                   <a:schemeClr val="dk1"/>
                 </a:solidFill>
               </a:rPr>
-              <a:t>In my opinion, it is relevant for all students, parents, and staff but slightly leans more on outside user such as the parents.</a:t>
+              <a:t>In my opinion, it is relevant for all students, parents, and staff </a:t>
             </a:r>
             <a:endParaRPr>
               <a:solidFill>
@@ -3136,7 +3292,7 @@
                   <a:schemeClr val="dk1"/>
                 </a:solidFill>
               </a:rPr>
-              <a:t>Students already have info on any of their professors and would only really use this if they are looking for anyone specific that could help with their issue (such as academic advising). Another use would be to look for a professor that changed information or the student has lost contact information from — would be good for looking back and finding references using previous classes taken with specific professors</a:t>
+              <a:t>Although, us students may already have information about a staff member from previous relationships (info of a prof with a class weve taken before), the page could really be useful in the future for referencing (looking for references, asking questions, etc)</a:t>
             </a:r>
             <a:endParaRPr>
               <a:solidFill>
@@ -3145,7 +3301,7 @@
             </a:endParaRPr>
           </a:p>
           <a:p>
-            <a:pPr indent="-298450" lvl="2" marL="1371600" rtl="0" algn="l">
+            <a:pPr indent="-298450" lvl="0" marL="457200" rtl="0" algn="l">
               <a:lnSpc>
                 <a:spcPct val="115000"/>
               </a:lnSpc>
@@ -3159,7 +3315,38 @@
                 <a:schemeClr val="dk1"/>
               </a:buClr>
               <a:buSzPts val="1100"/>
-              <a:buChar char="■"/>
+              <a:buChar char="●"/>
+            </a:pPr>
+            <a:r>
+              <a:rPr b="1" lang="en-GB">
+                <a:solidFill>
+                  <a:schemeClr val="dk1"/>
+                </a:solidFill>
+              </a:rPr>
+              <a:t>Notes/Ideas</a:t>
+            </a:r>
+            <a:endParaRPr b="1">
+              <a:solidFill>
+                <a:schemeClr val="dk1"/>
+              </a:solidFill>
+            </a:endParaRPr>
+          </a:p>
+          <a:p>
+            <a:pPr indent="-298450" lvl="1" marL="914400" rtl="0" algn="l">
+              <a:lnSpc>
+                <a:spcPct val="115000"/>
+              </a:lnSpc>
+              <a:spcBef>
+                <a:spcPts val="0"/>
+              </a:spcBef>
+              <a:spcAft>
+                <a:spcPts val="0"/>
+              </a:spcAft>
+              <a:buClr>
+                <a:schemeClr val="dk1"/>
+              </a:buClr>
+              <a:buSzPts val="1100"/>
+              <a:buChar char="○"/>
             </a:pPr>
             <a:r>
               <a:rPr lang="en-GB">
@@ -3167,69 +3354,7 @@
                   <a:schemeClr val="dk1"/>
                 </a:solidFill>
               </a:rPr>
-              <a:t>Other than dividing staff into groups (The page currently does that)</a:t>
-            </a:r>
-            <a:endParaRPr>
-              <a:solidFill>
-                <a:schemeClr val="dk1"/>
-              </a:solidFill>
-            </a:endParaRPr>
-          </a:p>
-          <a:p>
-            <a:pPr indent="-298450" lvl="2" marL="1371600" rtl="0" algn="l">
-              <a:lnSpc>
-                <a:spcPct val="115000"/>
-              </a:lnSpc>
-              <a:spcBef>
-                <a:spcPts val="0"/>
-              </a:spcBef>
-              <a:spcAft>
-                <a:spcPts val="0"/>
-              </a:spcAft>
-              <a:buClr>
-                <a:schemeClr val="dk1"/>
-              </a:buClr>
-              <a:buSzPts val="1100"/>
-              <a:buChar char="■"/>
-            </a:pPr>
-            <a:r>
-              <a:rPr lang="en-GB">
-                <a:solidFill>
-                  <a:schemeClr val="dk1"/>
-                </a:solidFill>
-              </a:rPr>
-              <a:t>Lay out a structure to organize the staff alphabetically, etc</a:t>
-            </a:r>
-            <a:endParaRPr>
-              <a:solidFill>
-                <a:schemeClr val="dk1"/>
-              </a:solidFill>
-            </a:endParaRPr>
-          </a:p>
-          <a:p>
-            <a:pPr indent="-298450" lvl="2" marL="1371600" rtl="0" algn="l">
-              <a:lnSpc>
-                <a:spcPct val="115000"/>
-              </a:lnSpc>
-              <a:spcBef>
-                <a:spcPts val="0"/>
-              </a:spcBef>
-              <a:spcAft>
-                <a:spcPts val="0"/>
-              </a:spcAft>
-              <a:buClr>
-                <a:schemeClr val="dk1"/>
-              </a:buClr>
-              <a:buSzPts val="1100"/>
-              <a:buChar char="■"/>
-            </a:pPr>
-            <a:r>
-              <a:rPr lang="en-GB">
-                <a:solidFill>
-                  <a:schemeClr val="dk1"/>
-                </a:solidFill>
-              </a:rPr>
-              <a:t>Maybe add a hierarchy to the existing navigation of the grouped staff to easily look for names (ie. dropdowns to look for last names in between A-E, F-J, and so on or even a drop down menu for all the levels of courses (100s, 200, 300, 400s) )</a:t>
+              <a:t>Maybe add a hierarchy to the existing navigation system on the left of the page (ie. have dropdowns for say when you click on electronics, it will have a drop down of the last names ranging from A-E, F-J, etc)</a:t>
             </a:r>
             <a:endParaRPr>
               <a:solidFill>
@@ -3332,8 +3457,155 @@
               <a:buNone/>
             </a:pPr>
             <a:r>
+              <a:rPr lang="en-GB" u="sng"/>
+              <a:t>Jiahao</a:t>
+            </a:r>
+            <a:endParaRPr u="sng"/>
+          </a:p>
+          <a:p>
+            <a:pPr indent="0" lvl="0" marL="0" rtl="0" algn="l">
+              <a:spcBef>
+                <a:spcPts val="0"/>
+              </a:spcBef>
+              <a:spcAft>
+                <a:spcPts val="0"/>
+              </a:spcAft>
+              <a:buNone/>
+            </a:pPr>
+            <a:r>
               <a:rPr lang="en-GB"/>
-              <a:t>Jiahao</a:t>
+              <a:t>-</a:t>
+            </a:r>
+            <a:r>
+              <a:rPr b="1" lang="en-GB"/>
+              <a:t>navigation:5/5</a:t>
+            </a:r>
+            <a:endParaRPr b="1"/>
+          </a:p>
+          <a:p>
+            <a:pPr indent="0" lvl="0" marL="0" rtl="0" algn="l">
+              <a:spcBef>
+                <a:spcPts val="0"/>
+              </a:spcBef>
+              <a:spcAft>
+                <a:spcPts val="0"/>
+              </a:spcAft>
+              <a:buNone/>
+            </a:pPr>
+            <a:r>
+              <a:rPr lang="en-GB"/>
+              <a:t>  It is simple and clear format. Everything included.</a:t>
+            </a:r>
+            <a:endParaRPr/>
+          </a:p>
+          <a:p>
+            <a:pPr indent="0" lvl="0" marL="0" rtl="0" algn="l">
+              <a:spcBef>
+                <a:spcPts val="0"/>
+              </a:spcBef>
+              <a:spcAft>
+                <a:spcPts val="0"/>
+              </a:spcAft>
+              <a:buNone/>
+            </a:pPr>
+            <a:r>
+              <a:rPr lang="en-GB"/>
+              <a:t>-stakeholders focus: 5/5</a:t>
+            </a:r>
+            <a:endParaRPr/>
+          </a:p>
+          <a:p>
+            <a:pPr indent="0" lvl="0" marL="0" rtl="0" algn="l">
+              <a:spcBef>
+                <a:spcPts val="0"/>
+              </a:spcBef>
+              <a:spcAft>
+                <a:spcPts val="0"/>
+              </a:spcAft>
+              <a:buNone/>
+            </a:pPr>
+            <a:r>
+              <a:rPr lang="en-GB"/>
+              <a:t>  Keep public.</a:t>
+            </a:r>
+            <a:endParaRPr/>
+          </a:p>
+          <a:p>
+            <a:pPr indent="0" lvl="0" marL="0" rtl="0" algn="l">
+              <a:spcBef>
+                <a:spcPts val="0"/>
+              </a:spcBef>
+              <a:spcAft>
+                <a:spcPts val="0"/>
+              </a:spcAft>
+              <a:buNone/>
+            </a:pPr>
+            <a:r>
+              <a:rPr lang="en-GB"/>
+              <a:t>- Contents: ⅘</a:t>
+            </a:r>
+            <a:endParaRPr/>
+          </a:p>
+          <a:p>
+            <a:pPr indent="0" lvl="0" marL="0" rtl="0" algn="l">
+              <a:spcBef>
+                <a:spcPts val="0"/>
+              </a:spcBef>
+              <a:spcAft>
+                <a:spcPts val="0"/>
+              </a:spcAft>
+              <a:buNone/>
+            </a:pPr>
+            <a:r>
+              <a:rPr lang="en-GB"/>
+              <a:t>  Not formatting form.</a:t>
+            </a:r>
+            <a:endParaRPr/>
+          </a:p>
+          <a:p>
+            <a:pPr indent="0" lvl="0" marL="0" rtl="0" algn="l">
+              <a:spcBef>
+                <a:spcPts val="0"/>
+              </a:spcBef>
+              <a:spcAft>
+                <a:spcPts val="0"/>
+              </a:spcAft>
+              <a:buNone/>
+            </a:pPr>
+            <a:r>
+              <a:rPr lang="en-GB"/>
+              <a:t>-Notes/Ideas:</a:t>
+            </a:r>
+            <a:endParaRPr/>
+          </a:p>
+          <a:p>
+            <a:pPr indent="0" lvl="0" marL="0" rtl="0" algn="l">
+              <a:spcBef>
+                <a:spcPts val="0"/>
+              </a:spcBef>
+              <a:spcAft>
+                <a:spcPts val="0"/>
+              </a:spcAft>
+              <a:buNone/>
+            </a:pPr>
+            <a:r>
+              <a:rPr lang="en-GB"/>
+              <a:t>  It will be great to add a navigation content which is FAQs, providing mostly and frequently questions and answers. The form for  Contact Us currently accepts any input and only warns user if there is a blank input field. The form can be submitted if the email is not valid and does not contain an @ sign or .com etc. Maybe have this be more specific so that the user will have information when to ultimately expect a reply.</a:t>
+            </a:r>
+            <a:endParaRPr/>
+          </a:p>
+          <a:p>
+            <a:pPr indent="0" lvl="0" marL="0" rtl="0" algn="l">
+              <a:spcBef>
+                <a:spcPts val="0"/>
+              </a:spcBef>
+              <a:spcAft>
+                <a:spcPts val="0"/>
+              </a:spcAft>
+              <a:buNone/>
+            </a:pPr>
+            <a:r>
+              <a:t/>
             </a:r>
             <a:endParaRPr/>
           </a:p>
@@ -6936,9 +7208,20 @@
   <p:cSld name="simple-light-2">
     <p:bg>
       <p:bgPr>
-        <a:solidFill>
-          <a:schemeClr val="lt1"/>
-        </a:solidFill>
+        <a:gradFill>
+          <a:gsLst>
+            <a:gs pos="0">
+              <a:srgbClr val="F5D0D0"/>
+            </a:gs>
+            <a:gs pos="100000">
+              <a:srgbClr val="D96868"/>
+            </a:gs>
+          </a:gsLst>
+          <a:path path="circle">
+            <a:fillToRect b="50%" l="50%" r="50%" t="50%"/>
+          </a:path>
+          <a:tileRect/>
+        </a:gradFill>
       </p:bgPr>
     </p:bg>
     <p:spTree>
@@ -8617,7 +8900,7 @@
             </a:pPr>
             <a:r>
               <a:rPr lang="en-GB"/>
-              <a:t>	Although this content could be useful to students and faculty but it is not regularly updated and information is the same in each and covered in Co-op edcation in the Students Section. This should not be moved to intranet, simply removed from the site.</a:t>
+              <a:t>	Although this content could be useful to students and faculty but it is not regularly updated and information is the same in each and covered in Co-op education in the Students Section. This should not be moved to intranet, simply removed from the site.</a:t>
             </a:r>
             <a:endParaRPr/>
           </a:p>
@@ -9041,8 +9324,8 @@
         </p:blipFill>
         <p:spPr>
           <a:xfrm>
-            <a:off x="4063974" y="2667175"/>
-            <a:ext cx="2733652" cy="2476325"/>
+            <a:off x="5695300" y="2667175"/>
+            <a:ext cx="3329224" cy="2476325"/>
           </a:xfrm>
           <a:prstGeom prst="rect">
             <a:avLst/>
@@ -9058,89 +9341,6 @@
   <p:clrMapOvr>
     <a:masterClrMapping/>
   </p:clrMapOvr>
-  <p:timing>
-    <p:tnLst>
-      <p:par>
-        <p:cTn dur="indefinite" nodeType="tmRoot" restart="never">
-          <p:childTnLst>
-            <p:seq concurrent="1" nextAc="seek">
-              <p:cTn dur="indefinite" id="2" nodeType="mainSeq">
-                <p:childTnLst>
-                  <p:par>
-                    <p:cTn fill="hold">
-                      <p:stCondLst>
-                        <p:cond delay="indefinite"/>
-                      </p:stCondLst>
-                      <p:childTnLst>
-                        <p:par>
-                          <p:cTn fill="hold">
-                            <p:stCondLst>
-                              <p:cond delay="0"/>
-                            </p:stCondLst>
-                            <p:childTnLst>
-                              <p:par>
-                                <p:cTn fill="hold" nodeType="clickEffect" presetClass="entr" presetID="10" presetSubtype="0">
-                                  <p:stCondLst>
-                                    <p:cond delay="0"/>
-                                  </p:stCondLst>
-                                  <p:childTnLst>
-                                    <p:set>
-                                      <p:cBhvr>
-                                        <p:cTn dur="1" fill="hold">
-                                          <p:stCondLst>
-                                            <p:cond delay="0"/>
-                                          </p:stCondLst>
-                                        </p:cTn>
-                                        <p:tgtEl>
-                                          <p:spTgt spid="136"/>
-                                        </p:tgtEl>
-                                        <p:attrNameLst>
-                                          <p:attrName>style.visibility</p:attrName>
-                                        </p:attrNameLst>
-                                      </p:cBhvr>
-                                      <p:to>
-                                        <p:strVal val="visible"/>
-                                      </p:to>
-                                    </p:set>
-                                    <p:animEffect filter="fade" transition="in">
-                                      <p:cBhvr>
-                                        <p:cTn dur="1000"/>
-                                        <p:tgtEl>
-                                          <p:spTgt spid="136"/>
-                                        </p:tgtEl>
-                                      </p:cBhvr>
-                                    </p:animEffect>
-                                  </p:childTnLst>
-                                </p:cTn>
-                              </p:par>
-                            </p:childTnLst>
-                          </p:cTn>
-                        </p:par>
-                      </p:childTnLst>
-                    </p:cTn>
-                  </p:par>
-                </p:childTnLst>
-              </p:cTn>
-              <p:prevCondLst>
-                <p:cond evt="onPrev">
-                  <p:tgtEl>
-                    <p:sldTgt/>
-                  </p:tgtEl>
-                </p:cond>
-              </p:prevCondLst>
-              <p:nextCondLst>
-                <p:cond evt="onNext">
-                  <p:tgtEl>
-                    <p:sldTgt/>
-                  </p:tgtEl>
-                </p:cond>
-              </p:nextCondLst>
-            </p:seq>
-          </p:childTnLst>
-        </p:cTn>
-      </p:par>
-    </p:tnLst>
-  </p:timing>
 </p:sld>
 </file>
 
@@ -9224,9 +9424,24 @@
           </a:bodyPr>
           <a:lstStyle/>
           <a:p>
+            <a:pPr indent="0" lvl="0" marL="0" rtl="0" algn="l">
+              <a:spcBef>
+                <a:spcPts val="0"/>
+              </a:spcBef>
+              <a:spcAft>
+                <a:spcPts val="0"/>
+              </a:spcAft>
+              <a:buNone/>
+            </a:pPr>
+            <a:r>
+              <a:t/>
+            </a:r>
+            <a:endParaRPr sz="1400"/>
+          </a:p>
+          <a:p>
             <a:pPr indent="-317500" lvl="0" marL="457200" rtl="0" algn="l">
               <a:spcBef>
-                <a:spcPts val="0"/>
+                <a:spcPts val="1600"/>
               </a:spcBef>
               <a:spcAft>
                 <a:spcPts val="0"/>
@@ -9236,7 +9451,15 @@
             </a:pPr>
             <a:r>
               <a:rPr lang="en-GB" sz="1400"/>
-              <a:t>One of the biggest issues across the students pages is the amount of times you see this page, Error 404 - Page Not Found (or something similar). </a:t>
+              <a:t>The pages might not be moved to intranet but combining or deleting pages would clean up </a:t>
+            </a:r>
+            <a:r>
+              <a:rPr lang="en-GB" sz="1400"/>
+              <a:t>navigation</a:t>
+            </a:r>
+            <a:r>
+              <a:rPr lang="en-GB" sz="1400"/>
+              <a:t> </a:t>
             </a:r>
             <a:endParaRPr sz="1400"/>
           </a:p>
@@ -9268,15 +9491,7 @@
             </a:pPr>
             <a:r>
               <a:rPr lang="en-GB" sz="1400"/>
-              <a:t>The pages might not be moved to intranet but combining or deleting pages would clean up </a:t>
-            </a:r>
-            <a:r>
-              <a:rPr lang="en-GB" sz="1400"/>
-              <a:t>navigation</a:t>
-            </a:r>
-            <a:r>
-              <a:rPr lang="en-GB" sz="1400"/>
-              <a:t> </a:t>
+              <a:t>One of the biggest issues across the students pages is the amount of times you see this page, Error 404 - Page Not Found (or something similar). </a:t>
             </a:r>
             <a:endParaRPr sz="1400"/>
           </a:p>
@@ -9425,7 +9640,7 @@
             </a:pPr>
             <a:r>
               <a:rPr lang="en-GB"/>
-              <a:t>	Link to WHIMIS training under </a:t>
+              <a:t>	Link to WHMIS training under </a:t>
             </a:r>
             <a:r>
               <a:rPr lang="en-GB"/>
@@ -10070,6 +10285,116 @@
             </a:endParaRPr>
           </a:p>
           <a:p>
+            <a:pPr indent="0" lvl="0" marL="0" rtl="0" algn="l">
+              <a:lnSpc>
+                <a:spcPct val="100000"/>
+              </a:lnSpc>
+              <a:spcBef>
+                <a:spcPts val="0"/>
+              </a:spcBef>
+              <a:spcAft>
+                <a:spcPts val="0"/>
+              </a:spcAft>
+              <a:buNone/>
+            </a:pPr>
+            <a:r>
+              <a:t/>
+            </a:r>
+            <a:endParaRPr sz="1400">
+              <a:solidFill>
+                <a:schemeClr val="dk1"/>
+              </a:solidFill>
+            </a:endParaRPr>
+          </a:p>
+          <a:p>
+            <a:pPr indent="0" lvl="0" marL="0" rtl="0" algn="l">
+              <a:lnSpc>
+                <a:spcPct val="100000"/>
+              </a:lnSpc>
+              <a:spcBef>
+                <a:spcPts val="0"/>
+              </a:spcBef>
+              <a:spcAft>
+                <a:spcPts val="0"/>
+              </a:spcAft>
+              <a:buNone/>
+            </a:pPr>
+            <a:r>
+              <a:t/>
+            </a:r>
+            <a:endParaRPr sz="1400">
+              <a:solidFill>
+                <a:schemeClr val="dk1"/>
+              </a:solidFill>
+            </a:endParaRPr>
+          </a:p>
+          <a:p>
+            <a:pPr indent="0" lvl="0" marL="0" rtl="0" algn="l">
+              <a:lnSpc>
+                <a:spcPct val="100000"/>
+              </a:lnSpc>
+              <a:spcBef>
+                <a:spcPts val="0"/>
+              </a:spcBef>
+              <a:spcAft>
+                <a:spcPts val="0"/>
+              </a:spcAft>
+              <a:buNone/>
+            </a:pPr>
+            <a:r>
+              <a:t/>
+            </a:r>
+            <a:endParaRPr sz="1400">
+              <a:solidFill>
+                <a:schemeClr val="dk1"/>
+              </a:solidFill>
+            </a:endParaRPr>
+          </a:p>
+          <a:p>
+            <a:pPr indent="0" lvl="0" marL="0" rtl="0" algn="l">
+              <a:lnSpc>
+                <a:spcPct val="100000"/>
+              </a:lnSpc>
+              <a:spcBef>
+                <a:spcPts val="0"/>
+              </a:spcBef>
+              <a:spcAft>
+                <a:spcPts val="0"/>
+              </a:spcAft>
+              <a:buNone/>
+            </a:pPr>
+            <a:r>
+              <a:t/>
+            </a:r>
+            <a:endParaRPr sz="1400">
+              <a:solidFill>
+                <a:schemeClr val="dk1"/>
+              </a:solidFill>
+            </a:endParaRPr>
+          </a:p>
+          <a:p>
+            <a:pPr indent="0" lvl="0" marL="0" rtl="0" algn="l">
+              <a:lnSpc>
+                <a:spcPct val="100000"/>
+              </a:lnSpc>
+              <a:spcBef>
+                <a:spcPts val="0"/>
+              </a:spcBef>
+              <a:spcAft>
+                <a:spcPts val="0"/>
+              </a:spcAft>
+              <a:buNone/>
+            </a:pPr>
+            <a:r>
+              <a:t/>
+            </a:r>
+            <a:endParaRPr sz="1400">
+              <a:solidFill>
+                <a:schemeClr val="dk1"/>
+              </a:solidFill>
+            </a:endParaRPr>
+          </a:p>
+          <a:p>
             <a:pPr indent="-317500" lvl="0" marL="457200" rtl="0" algn="l">
               <a:lnSpc>
                 <a:spcPct val="100000"/>
@@ -10093,6 +10418,116 @@
                 </a:solidFill>
               </a:rPr>
               <a:t>A few dead links</a:t>
+            </a:r>
+            <a:endParaRPr sz="1400">
+              <a:solidFill>
+                <a:schemeClr val="dk1"/>
+              </a:solidFill>
+            </a:endParaRPr>
+          </a:p>
+          <a:p>
+            <a:pPr indent="0" lvl="0" marL="0" rtl="0" algn="l">
+              <a:lnSpc>
+                <a:spcPct val="100000"/>
+              </a:lnSpc>
+              <a:spcBef>
+                <a:spcPts val="0"/>
+              </a:spcBef>
+              <a:spcAft>
+                <a:spcPts val="0"/>
+              </a:spcAft>
+              <a:buNone/>
+            </a:pPr>
+            <a:r>
+              <a:t/>
+            </a:r>
+            <a:endParaRPr sz="1400">
+              <a:solidFill>
+                <a:schemeClr val="dk1"/>
+              </a:solidFill>
+            </a:endParaRPr>
+          </a:p>
+          <a:p>
+            <a:pPr indent="0" lvl="0" marL="0" rtl="0" algn="l">
+              <a:lnSpc>
+                <a:spcPct val="100000"/>
+              </a:lnSpc>
+              <a:spcBef>
+                <a:spcPts val="0"/>
+              </a:spcBef>
+              <a:spcAft>
+                <a:spcPts val="0"/>
+              </a:spcAft>
+              <a:buNone/>
+            </a:pPr>
+            <a:r>
+              <a:t/>
+            </a:r>
+            <a:endParaRPr sz="1400">
+              <a:solidFill>
+                <a:schemeClr val="dk1"/>
+              </a:solidFill>
+            </a:endParaRPr>
+          </a:p>
+          <a:p>
+            <a:pPr indent="0" lvl="0" marL="0" rtl="0" algn="l">
+              <a:lnSpc>
+                <a:spcPct val="100000"/>
+              </a:lnSpc>
+              <a:spcBef>
+                <a:spcPts val="0"/>
+              </a:spcBef>
+              <a:spcAft>
+                <a:spcPts val="0"/>
+              </a:spcAft>
+              <a:buNone/>
+            </a:pPr>
+            <a:r>
+              <a:t/>
+            </a:r>
+            <a:endParaRPr sz="1400">
+              <a:solidFill>
+                <a:schemeClr val="dk1"/>
+              </a:solidFill>
+            </a:endParaRPr>
+          </a:p>
+          <a:p>
+            <a:pPr indent="0" lvl="0" marL="0" rtl="0" algn="l">
+              <a:lnSpc>
+                <a:spcPct val="100000"/>
+              </a:lnSpc>
+              <a:spcBef>
+                <a:spcPts val="0"/>
+              </a:spcBef>
+              <a:spcAft>
+                <a:spcPts val="0"/>
+              </a:spcAft>
+              <a:buNone/>
+            </a:pPr>
+            <a:r>
+              <a:t/>
+            </a:r>
+            <a:endParaRPr sz="1400">
+              <a:solidFill>
+                <a:schemeClr val="dk1"/>
+              </a:solidFill>
+            </a:endParaRPr>
+          </a:p>
+          <a:p>
+            <a:pPr indent="0" lvl="0" marL="0" rtl="0" algn="l">
+              <a:lnSpc>
+                <a:spcPct val="100000"/>
+              </a:lnSpc>
+              <a:spcBef>
+                <a:spcPts val="0"/>
+              </a:spcBef>
+              <a:spcAft>
+                <a:spcPts val="0"/>
+              </a:spcAft>
+              <a:buNone/>
+            </a:pPr>
+            <a:r>
+              <a:t/>
             </a:r>
             <a:endParaRPr sz="1400">
               <a:solidFill>
@@ -11292,7 +11727,7 @@
                   <a:schemeClr val="dk1"/>
                 </a:solidFill>
               </a:rPr>
-              <a:t>Stakeholder Focus rating: 3</a:t>
+              <a:t>Stakeholder Focus rating: 4</a:t>
             </a:r>
             <a:endParaRPr sz="1200">
               <a:solidFill>
@@ -12364,7 +12799,7 @@
                 <a:cs typeface="Times New Roman"/>
                 <a:sym typeface="Times New Roman"/>
               </a:rPr>
-              <a:t>Content rating: ⅘</a:t>
+              <a:t>Contents rating: ⅘</a:t>
             </a:r>
             <a:br>
               <a:rPr b="1" lang="en-GB" sz="1400">
@@ -12433,7 +12868,7 @@
                 <a:cs typeface="Times New Roman"/>
                 <a:sym typeface="Times New Roman"/>
               </a:rPr>
-              <a:t>         different functions</a:t>
+              <a:t>       different functions</a:t>
             </a:r>
             <a:endParaRPr sz="1400">
               <a:solidFill>
@@ -12562,7 +12997,7 @@
                 <a:cs typeface="Times New Roman"/>
                 <a:sym typeface="Times New Roman"/>
               </a:rPr>
-              <a:t>    - Add a friendly display after submitting successfully,</a:t>
+              <a:t>    - Add a message for showing the user is expected to </a:t>
             </a:r>
             <a:br>
               <a:rPr lang="en-GB" sz="1400">
@@ -12585,7 +13020,7 @@
                 <a:cs typeface="Times New Roman"/>
                 <a:sym typeface="Times New Roman"/>
               </a:rPr>
-              <a:t>      “Thank you !”, “Someone will contact you soon.”</a:t>
+              <a:t>      get response in specific time after submitting</a:t>
             </a:r>
             <a:br>
               <a:rPr lang="en-GB" sz="1400">

--- a/Milestone 2/ENSE 374 Milestone 2.pptx
+++ b/Milestone 2/ENSE 374 Milestone 2.pptx
@@ -12005,34 +12005,6 @@
             </a:endParaRPr>
           </a:p>
           <a:p>
-            <a:pPr indent="-304800" lvl="1" marL="914400" rtl="0" algn="l">
-              <a:spcBef>
-                <a:spcPts val="0"/>
-              </a:spcBef>
-              <a:spcAft>
-                <a:spcPts val="0"/>
-              </a:spcAft>
-              <a:buClr>
-                <a:schemeClr val="dk1"/>
-              </a:buClr>
-              <a:buSzPts val="1200"/>
-              <a:buChar char="○"/>
-            </a:pPr>
-            <a:r>
-              <a:rPr lang="en-GB" sz="1200">
-                <a:solidFill>
-                  <a:schemeClr val="dk1"/>
-                </a:solidFill>
-              </a:rPr>
-              <a:t>Honestly, the overall UofR websites looked so old-fashioned, no designs at all. It is like from 80s and make no changes since then.</a:t>
-            </a:r>
-            <a:endParaRPr sz="1200">
-              <a:solidFill>
-                <a:schemeClr val="dk1"/>
-              </a:solidFill>
-            </a:endParaRPr>
-          </a:p>
-          <a:p>
             <a:pPr indent="0" lvl="0" marL="0" rtl="0" algn="l">
               <a:spcBef>
                 <a:spcPts val="0"/>
